--- a/WebContent/WEB-INF/templates/CSJ/master.pptx
+++ b/WebContent/WEB-INF/templates/CSJ/master.pptx
@@ -111,7 +111,7 @@
   </p:defaultTextStyle>
   <p:extLst>
     <p:ext uri="{EFAFB233-063F-42B5-8137-9DF3F51BA10A}">
-      <p15:sldGuideLst xmlns:p15="http://schemas.microsoft.com/office/powerpoint/2012/main"/>
+      <p15:sldGuideLst xmlns:p15="http://schemas.microsoft.com/office/powerpoint/2012/main" xmlns=""/>
     </p:ext>
   </p:extLst>
 </p:presentation>
@@ -199,7 +199,7 @@
           <a:p>
             <a:fld id="{4A03472A-F286-9543-9F65-E88EC153A9C1}" type="datetimeFigureOut">
               <a:rPr lang="en-US" smtClean="0"/>
-              <a:t>1/6/19</a:t>
+              <a:t>12/01/20</a:t>
             </a:fld>
             <a:endParaRPr lang="en-US"/>
           </a:p>
@@ -694,7 +694,7 @@
           <a:p>
             <a:fld id="{D0EB8BDA-D505-2D4C-A404-933AA441AD23}" type="datetimeFigureOut">
               <a:rPr lang="en-US" smtClean="0"/>
-              <a:t>1/6/19</a:t>
+              <a:t>12/01/20</a:t>
             </a:fld>
             <a:endParaRPr lang="en-US"/>
           </a:p>
@@ -902,7 +902,7 @@
           <a:p>
             <a:fld id="{D0EB8BDA-D505-2D4C-A404-933AA441AD23}" type="datetimeFigureOut">
               <a:rPr lang="en-US" smtClean="0"/>
-              <a:t>1/6/19</a:t>
+              <a:t>12/01/20</a:t>
             </a:fld>
             <a:endParaRPr lang="en-US"/>
           </a:p>
@@ -1122,7 +1122,7 @@
           <a:p>
             <a:fld id="{5403ACA4-5A36-1D4B-9385-9AF87ADF2C6A}" type="datetimeFigureOut">
               <a:rPr lang="en-US" smtClean="0"/>
-              <a:t>1/6/19</a:t>
+              <a:t>12/01/20</a:t>
             </a:fld>
             <a:endParaRPr lang="en-US"/>
           </a:p>
@@ -1330,7 +1330,7 @@
           <a:p>
             <a:fld id="{5403ACA4-5A36-1D4B-9385-9AF87ADF2C6A}" type="datetimeFigureOut">
               <a:rPr lang="en-US" smtClean="0"/>
-              <a:t>1/6/19</a:t>
+              <a:t>12/01/20</a:t>
             </a:fld>
             <a:endParaRPr lang="en-US"/>
           </a:p>
@@ -1605,7 +1605,7 @@
           <a:p>
             <a:fld id="{5403ACA4-5A36-1D4B-9385-9AF87ADF2C6A}" type="datetimeFigureOut">
               <a:rPr lang="en-US" smtClean="0"/>
-              <a:t>1/6/19</a:t>
+              <a:t>12/01/20</a:t>
             </a:fld>
             <a:endParaRPr lang="en-US"/>
           </a:p>
@@ -1872,7 +1872,7 @@
           <a:p>
             <a:fld id="{5403ACA4-5A36-1D4B-9385-9AF87ADF2C6A}" type="datetimeFigureOut">
               <a:rPr lang="en-US" smtClean="0"/>
-              <a:t>1/6/19</a:t>
+              <a:t>12/01/20</a:t>
             </a:fld>
             <a:endParaRPr lang="en-US"/>
           </a:p>
@@ -2275,7 +2275,7 @@
           <a:p>
             <a:fld id="{5403ACA4-5A36-1D4B-9385-9AF87ADF2C6A}" type="datetimeFigureOut">
               <a:rPr lang="en-US" smtClean="0"/>
-              <a:t>1/6/19</a:t>
+              <a:t>12/01/20</a:t>
             </a:fld>
             <a:endParaRPr lang="en-US"/>
           </a:p>
@@ -2424,7 +2424,7 @@
           <a:p>
             <a:fld id="{5403ACA4-5A36-1D4B-9385-9AF87ADF2C6A}" type="datetimeFigureOut">
               <a:rPr lang="en-US" smtClean="0"/>
-              <a:t>1/6/19</a:t>
+              <a:t>12/01/20</a:t>
             </a:fld>
             <a:endParaRPr lang="en-US"/>
           </a:p>
@@ -2543,7 +2543,7 @@
           <a:p>
             <a:fld id="{5403ACA4-5A36-1D4B-9385-9AF87ADF2C6A}" type="datetimeFigureOut">
               <a:rPr lang="en-US" smtClean="0"/>
-              <a:t>1/6/19</a:t>
+              <a:t>12/01/20</a:t>
             </a:fld>
             <a:endParaRPr lang="en-US"/>
           </a:p>
@@ -2851,7 +2851,7 @@
           <a:p>
             <a:fld id="{5403ACA4-5A36-1D4B-9385-9AF87ADF2C6A}" type="datetimeFigureOut">
               <a:rPr lang="en-US" smtClean="0"/>
-              <a:t>1/6/19</a:t>
+              <a:t>12/01/20</a:t>
             </a:fld>
             <a:endParaRPr lang="en-US"/>
           </a:p>
@@ -3059,7 +3059,7 @@
           <a:p>
             <a:fld id="{D0EB8BDA-D505-2D4C-A404-933AA441AD23}" type="datetimeFigureOut">
               <a:rPr lang="en-US" smtClean="0"/>
-              <a:t>1/6/19</a:t>
+              <a:t>12/01/20</a:t>
             </a:fld>
             <a:endParaRPr lang="en-US"/>
           </a:p>
@@ -3344,7 +3344,7 @@
           <a:p>
             <a:fld id="{5403ACA4-5A36-1D4B-9385-9AF87ADF2C6A}" type="datetimeFigureOut">
               <a:rPr lang="en-US" smtClean="0"/>
-              <a:t>1/6/19</a:t>
+              <a:t>12/01/20</a:t>
             </a:fld>
             <a:endParaRPr lang="en-US"/>
           </a:p>
@@ -3552,7 +3552,7 @@
           <a:p>
             <a:fld id="{5403ACA4-5A36-1D4B-9385-9AF87ADF2C6A}" type="datetimeFigureOut">
               <a:rPr lang="en-US" smtClean="0"/>
-              <a:t>1/6/19</a:t>
+              <a:t>12/01/20</a:t>
             </a:fld>
             <a:endParaRPr lang="en-US"/>
           </a:p>
@@ -3760,7 +3760,7 @@
           <a:p>
             <a:fld id="{5403ACA4-5A36-1D4B-9385-9AF87ADF2C6A}" type="datetimeFigureOut">
               <a:rPr lang="en-US" smtClean="0"/>
-              <a:t>1/6/19</a:t>
+              <a:t>12/01/20</a:t>
             </a:fld>
             <a:endParaRPr lang="en-US"/>
           </a:p>
@@ -3968,7 +3968,7 @@
           <a:p>
             <a:fld id="{5403ACA4-5A36-1D4B-9385-9AF87ADF2C6A}" type="datetimeFigureOut">
               <a:rPr lang="en-US" smtClean="0"/>
-              <a:t>1/6/19</a:t>
+              <a:t>12/01/20</a:t>
             </a:fld>
             <a:endParaRPr lang="en-US"/>
           </a:p>
@@ -4133,7 +4133,7 @@
           <a:p>
             <a:fld id="{5403ACA4-5A36-1D4B-9385-9AF87ADF2C6A}" type="datetimeFigureOut">
               <a:rPr lang="en-US" smtClean="0"/>
-              <a:t>1/6/19</a:t>
+              <a:t>12/01/20</a:t>
             </a:fld>
             <a:endParaRPr lang="en-US"/>
           </a:p>
@@ -4372,7 +4372,7 @@
           <a:p>
             <a:fld id="{5403ACA4-5A36-1D4B-9385-9AF87ADF2C6A}" type="datetimeFigureOut">
               <a:rPr lang="en-US" smtClean="0"/>
-              <a:t>1/6/19</a:t>
+              <a:t>12/01/20</a:t>
             </a:fld>
             <a:endParaRPr lang="en-US"/>
           </a:p>
@@ -4599,7 +4599,7 @@
           <a:p>
             <a:fld id="{5403ACA4-5A36-1D4B-9385-9AF87ADF2C6A}" type="datetimeFigureOut">
               <a:rPr lang="en-US" smtClean="0"/>
-              <a:t>1/6/19</a:t>
+              <a:t>12/01/20</a:t>
             </a:fld>
             <a:endParaRPr lang="en-US"/>
           </a:p>
@@ -4961,7 +4961,7 @@
           <a:p>
             <a:fld id="{5403ACA4-5A36-1D4B-9385-9AF87ADF2C6A}" type="datetimeFigureOut">
               <a:rPr lang="en-US" smtClean="0"/>
-              <a:t>1/6/19</a:t>
+              <a:t>12/01/20</a:t>
             </a:fld>
             <a:endParaRPr lang="en-US"/>
           </a:p>
@@ -5074,7 +5074,7 @@
           <a:p>
             <a:fld id="{5403ACA4-5A36-1D4B-9385-9AF87ADF2C6A}" type="datetimeFigureOut">
               <a:rPr lang="en-US" smtClean="0"/>
-              <a:t>1/6/19</a:t>
+              <a:t>12/01/20</a:t>
             </a:fld>
             <a:endParaRPr lang="en-US"/>
           </a:p>
@@ -5164,7 +5164,7 @@
           <a:p>
             <a:fld id="{5403ACA4-5A36-1D4B-9385-9AF87ADF2C6A}" type="datetimeFigureOut">
               <a:rPr lang="en-US" smtClean="0"/>
-              <a:t>1/6/19</a:t>
+              <a:t>12/01/20</a:t>
             </a:fld>
             <a:endParaRPr lang="en-US"/>
           </a:p>
@@ -5418,7 +5418,7 @@
           <a:p>
             <a:fld id="{D0EB8BDA-D505-2D4C-A404-933AA441AD23}" type="datetimeFigureOut">
               <a:rPr lang="en-US" smtClean="0"/>
-              <a:t>1/6/19</a:t>
+              <a:t>12/01/20</a:t>
             </a:fld>
             <a:endParaRPr lang="en-US"/>
           </a:p>
@@ -5711,7 +5711,7 @@
           <a:p>
             <a:fld id="{5403ACA4-5A36-1D4B-9385-9AF87ADF2C6A}" type="datetimeFigureOut">
               <a:rPr lang="en-US" smtClean="0"/>
-              <a:t>1/6/19</a:t>
+              <a:t>12/01/20</a:t>
             </a:fld>
             <a:endParaRPr lang="en-US"/>
           </a:p>
@@ -5963,7 +5963,7 @@
           <a:p>
             <a:fld id="{5403ACA4-5A36-1D4B-9385-9AF87ADF2C6A}" type="datetimeFigureOut">
               <a:rPr lang="en-US" smtClean="0"/>
-              <a:t>1/6/19</a:t>
+              <a:t>12/01/20</a:t>
             </a:fld>
             <a:endParaRPr lang="en-US"/>
           </a:p>
@@ -6128,7 +6128,7 @@
           <a:p>
             <a:fld id="{5403ACA4-5A36-1D4B-9385-9AF87ADF2C6A}" type="datetimeFigureOut">
               <a:rPr lang="en-US" smtClean="0"/>
-              <a:t>1/6/19</a:t>
+              <a:t>12/01/20</a:t>
             </a:fld>
             <a:endParaRPr lang="en-US"/>
           </a:p>
@@ -6303,7 +6303,7 @@
           <a:p>
             <a:fld id="{5403ACA4-5A36-1D4B-9385-9AF87ADF2C6A}" type="datetimeFigureOut">
               <a:rPr lang="en-US" smtClean="0"/>
-              <a:t>1/6/19</a:t>
+              <a:t>12/01/20</a:t>
             </a:fld>
             <a:endParaRPr lang="en-US"/>
           </a:p>
@@ -6549,7 +6549,7 @@
           <a:p>
             <a:fld id="{D0EB8BDA-D505-2D4C-A404-933AA441AD23}" type="datetimeFigureOut">
               <a:rPr lang="en-US" smtClean="0"/>
-              <a:t>1/6/19</a:t>
+              <a:t>12/01/20</a:t>
             </a:fld>
             <a:endParaRPr lang="en-US"/>
           </a:p>
@@ -6952,7 +6952,7 @@
           <a:p>
             <a:fld id="{D0EB8BDA-D505-2D4C-A404-933AA441AD23}" type="datetimeFigureOut">
               <a:rPr lang="en-US" smtClean="0"/>
-              <a:t>1/6/19</a:t>
+              <a:t>12/01/20</a:t>
             </a:fld>
             <a:endParaRPr lang="en-US"/>
           </a:p>
@@ -7101,7 +7101,7 @@
           <a:p>
             <a:fld id="{D0EB8BDA-D505-2D4C-A404-933AA441AD23}" type="datetimeFigureOut">
               <a:rPr lang="en-US" smtClean="0"/>
-              <a:t>1/6/19</a:t>
+              <a:t>12/01/20</a:t>
             </a:fld>
             <a:endParaRPr lang="en-US"/>
           </a:p>
@@ -7220,7 +7220,7 @@
           <a:p>
             <a:fld id="{D0EB8BDA-D505-2D4C-A404-933AA441AD23}" type="datetimeFigureOut">
               <a:rPr lang="en-US" smtClean="0"/>
-              <a:t>1/6/19</a:t>
+              <a:t>12/01/20</a:t>
             </a:fld>
             <a:endParaRPr lang="en-US"/>
           </a:p>
@@ -7528,7 +7528,7 @@
           <a:p>
             <a:fld id="{D0EB8BDA-D505-2D4C-A404-933AA441AD23}" type="datetimeFigureOut">
               <a:rPr lang="en-US" smtClean="0"/>
-              <a:t>1/6/19</a:t>
+              <a:t>12/01/20</a:t>
             </a:fld>
             <a:endParaRPr lang="en-US"/>
           </a:p>
@@ -7813,7 +7813,7 @@
           <a:p>
             <a:fld id="{D0EB8BDA-D505-2D4C-A404-933AA441AD23}" type="datetimeFigureOut">
               <a:rPr lang="en-US" smtClean="0"/>
-              <a:t>1/6/19</a:t>
+              <a:t>12/01/20</a:t>
             </a:fld>
             <a:endParaRPr lang="en-US"/>
           </a:p>
@@ -8754,7 +8754,7 @@
           <a:p>
             <a:fld id="{C764DE79-268F-4C1A-8933-263129D2AF90}" type="datetimeFigureOut">
               <a:rPr lang="en-US" dirty="0"/>
-              <a:t>1/6/19</a:t>
+              <a:t>12/01/20</a:t>
             </a:fld>
             <a:endParaRPr lang="en-US" dirty="0"/>
           </a:p>
@@ -9382,6 +9382,30 @@
           </a:p>
         </p:txBody>
       </p:sp>
+      <p:pic>
+        <p:nvPicPr>
+          <p:cNvPr id="2" name="Picture 1"/>
+          <p:cNvPicPr>
+            <a:picLocks noChangeAspect="1"/>
+          </p:cNvPicPr>
+          <p:nvPr/>
+        </p:nvPicPr>
+        <p:blipFill>
+          <a:blip r:embed="rId3"/>
+          <a:stretch>
+            <a:fillRect/>
+          </a:stretch>
+        </p:blipFill>
+        <p:spPr>
+          <a:xfrm>
+            <a:off x="-17650" y="-8021"/>
+            <a:ext cx="1675230" cy="1608221"/>
+          </a:xfrm>
+          <a:prstGeom prst="rect">
+            <a:avLst/>
+          </a:prstGeom>
+        </p:spPr>
+      </p:pic>
     </p:spTree>
     <p:extLst>
       <p:ext uri="{BB962C8B-B14F-4D97-AF65-F5344CB8AC3E}">
@@ -9438,7 +9462,7 @@
     </a:clrScheme>
     <a:fontScheme name="Office">
       <a:majorFont>
-        <a:latin typeface="Calibri Light" panose="020F0302020204030204"/>
+        <a:latin typeface="Calibri Light"/>
         <a:ea typeface=""/>
         <a:cs typeface=""/>
         <a:font script="Jpan" typeface="Yu Gothic Light"/>
@@ -9473,7 +9497,7 @@
         <a:font script="Geor" typeface="Sylfaen"/>
       </a:majorFont>
       <a:minorFont>
-        <a:latin typeface="Calibri" panose="020F0502020204030204"/>
+        <a:latin typeface="Calibri"/>
         <a:ea typeface=""/>
         <a:cs typeface=""/>
         <a:font script="Jpan" typeface="Yu Gothic"/>
@@ -9650,7 +9674,7 @@
   <a:extraClrSchemeLst/>
   <a:extLst>
     <a:ext uri="{05A4C25C-085E-4340-85A3-A5531E510DB2}">
-      <thm15:themeFamily xmlns:thm15="http://schemas.microsoft.com/office/thememl/2012/main" name="Office Theme" id="{62F939B6-93AF-4DB8-9C6B-D6C7DFDC589F}" vid="{4A3C46E8-61CC-4603-A589-7422A47A8E4A}"/>
+      <thm15:themeFamily xmlns:thm15="http://schemas.microsoft.com/office/thememl/2012/main" xmlns="" name="Office Theme" id="{62F939B6-93AF-4DB8-9C6B-D6C7DFDC589F}" vid="{4A3C46E8-61CC-4603-A589-7422A47A8E4A}"/>
     </a:ext>
   </a:extLst>
 </a:theme>
@@ -9699,7 +9723,7 @@
     </a:clrScheme>
     <a:fontScheme name="Office">
       <a:majorFont>
-        <a:latin typeface="Calibri Light" panose="020F0302020204030204"/>
+        <a:latin typeface="Calibri Light"/>
         <a:ea typeface=""/>
         <a:cs typeface=""/>
         <a:font script="Jpan" typeface="Yu Gothic Light"/>
@@ -9734,7 +9758,7 @@
         <a:font script="Geor" typeface="Sylfaen"/>
       </a:majorFont>
       <a:minorFont>
-        <a:latin typeface="Calibri" panose="020F0502020204030204"/>
+        <a:latin typeface="Calibri"/>
         <a:ea typeface=""/>
         <a:cs typeface=""/>
         <a:font script="Jpan" typeface="Yu Gothic"/>
@@ -9911,7 +9935,7 @@
   <a:extraClrSchemeLst/>
   <a:extLst>
     <a:ext uri="{05A4C25C-085E-4340-85A3-A5531E510DB2}">
-      <thm15:themeFamily xmlns:thm15="http://schemas.microsoft.com/office/thememl/2012/main" name="Office Theme" id="{62F939B6-93AF-4DB8-9C6B-D6C7DFDC589F}" vid="{4A3C46E8-61CC-4603-A589-7422A47A8E4A}"/>
+      <thm15:themeFamily xmlns:thm15="http://schemas.microsoft.com/office/thememl/2012/main" xmlns="" name="Office Theme" id="{62F939B6-93AF-4DB8-9C6B-D6C7DFDC589F}" vid="{4A3C46E8-61CC-4603-A589-7422A47A8E4A}"/>
     </a:ext>
   </a:extLst>
 </a:theme>
@@ -9960,7 +9984,7 @@
     </a:clrScheme>
     <a:fontScheme name="Office Theme">
       <a:majorFont>
-        <a:latin typeface="Calibri Light" panose="020F0302020204030204"/>
+        <a:latin typeface="Calibri Light"/>
         <a:ea typeface=""/>
         <a:cs typeface=""/>
         <a:font script="Jpan" typeface="游ゴシック Light"/>
@@ -9995,7 +10019,7 @@
         <a:font script="Geor" typeface="Sylfaen"/>
       </a:majorFont>
       <a:minorFont>
-        <a:latin typeface="Calibri" panose="020F0502020204030204"/>
+        <a:latin typeface="Calibri"/>
         <a:ea typeface=""/>
         <a:cs typeface=""/>
         <a:font script="Jpan" typeface="游ゴシック"/>
@@ -10172,7 +10196,7 @@
   <a:extraClrSchemeLst/>
   <a:extLst>
     <a:ext uri="{05A4C25C-085E-4340-85A3-A5531E510DB2}">
-      <thm15:themeFamily xmlns:thm15="http://schemas.microsoft.com/office/thememl/2012/main" name="Office Theme" id="{62F939B6-93AF-4DB8-9C6B-D6C7DFDC589F}" vid="{4A3C46E8-61CC-4603-A589-7422A47A8E4A}"/>
+      <thm15:themeFamily xmlns:thm15="http://schemas.microsoft.com/office/thememl/2012/main" xmlns="" name="Office Theme" id="{62F939B6-93AF-4DB8-9C6B-D6C7DFDC589F}" vid="{4A3C46E8-61CC-4603-A589-7422A47A8E4A}"/>
     </a:ext>
   </a:extLst>
 </a:theme>
@@ -10221,7 +10245,7 @@
     </a:clrScheme>
     <a:fontScheme name="Office">
       <a:majorFont>
-        <a:latin typeface="Calibri Light" panose="020F0302020204030204"/>
+        <a:latin typeface="Calibri Light"/>
         <a:ea typeface=""/>
         <a:cs typeface=""/>
         <a:font script="Jpan" typeface="Yu Gothic Light"/>
@@ -10256,7 +10280,7 @@
         <a:font script="Geor" typeface="Sylfaen"/>
       </a:majorFont>
       <a:minorFont>
-        <a:latin typeface="Calibri" panose="020F0502020204030204"/>
+        <a:latin typeface="Calibri"/>
         <a:ea typeface=""/>
         <a:cs typeface=""/>
         <a:font script="Jpan" typeface="Yu Gothic"/>
@@ -10433,7 +10457,7 @@
   <a:extraClrSchemeLst/>
   <a:extLst>
     <a:ext uri="{05A4C25C-085E-4340-85A3-A5531E510DB2}">
-      <thm15:themeFamily xmlns:thm15="http://schemas.microsoft.com/office/thememl/2012/main" name="Office Theme" id="{62F939B6-93AF-4DB8-9C6B-D6C7DFDC589F}" vid="{4A3C46E8-61CC-4603-A589-7422A47A8E4A}"/>
+      <thm15:themeFamily xmlns:thm15="http://schemas.microsoft.com/office/thememl/2012/main" xmlns="" name="Office Theme" id="{62F939B6-93AF-4DB8-9C6B-D6C7DFDC589F}" vid="{4A3C46E8-61CC-4603-A589-7422A47A8E4A}"/>
     </a:ext>
   </a:extLst>
 </a:theme>
